--- a/GirlsInc Eureka 2018/Presentations/outreach-training.pptx
+++ b/GirlsInc Eureka 2018/Presentations/outreach-training.pptx
@@ -336,7 +336,7 @@
           <a:p>
             <a:fld id="{224C0205-EE3F-2F41-AF46-2CE70C7F2D49}" type="datetimeFigureOut">
               <a:rPr lang="en-US" smtClean="0"/>
-              <a:t>7/12/2017</a:t>
+              <a:t>7/19/2018</a:t>
             </a:fld>
             <a:endParaRPr lang="en-US"/>
           </a:p>
@@ -546,7 +546,7 @@
           <a:p>
             <a:fld id="{224C0205-EE3F-2F41-AF46-2CE70C7F2D49}" type="datetimeFigureOut">
               <a:rPr lang="en-US" smtClean="0"/>
-              <a:t>7/12/2017</a:t>
+              <a:t>7/19/2018</a:t>
             </a:fld>
             <a:endParaRPr lang="en-US"/>
           </a:p>
@@ -756,7 +756,7 @@
           <a:p>
             <a:fld id="{224C0205-EE3F-2F41-AF46-2CE70C7F2D49}" type="datetimeFigureOut">
               <a:rPr lang="en-US" smtClean="0"/>
-              <a:t>7/12/2017</a:t>
+              <a:t>7/19/2018</a:t>
             </a:fld>
             <a:endParaRPr lang="en-US"/>
           </a:p>
@@ -1067,7 +1067,7 @@
           <a:p>
             <a:fld id="{224C0205-EE3F-2F41-AF46-2CE70C7F2D49}" type="datetimeFigureOut">
               <a:rPr lang="en-US" smtClean="0"/>
-              <a:t>7/12/2017</a:t>
+              <a:t>7/19/2018</a:t>
             </a:fld>
             <a:endParaRPr lang="en-US"/>
           </a:p>
@@ -1393,7 +1393,7 @@
           <a:p>
             <a:fld id="{224C0205-EE3F-2F41-AF46-2CE70C7F2D49}" type="datetimeFigureOut">
               <a:rPr lang="en-US" smtClean="0"/>
-              <a:t>7/12/2017</a:t>
+              <a:t>7/19/2018</a:t>
             </a:fld>
             <a:endParaRPr lang="en-US"/>
           </a:p>
@@ -1859,7 +1859,7 @@
           <a:p>
             <a:fld id="{224C0205-EE3F-2F41-AF46-2CE70C7F2D49}" type="datetimeFigureOut">
               <a:rPr lang="en-US" smtClean="0"/>
-              <a:t>7/12/2017</a:t>
+              <a:t>7/19/2018</a:t>
             </a:fld>
             <a:endParaRPr lang="en-US"/>
           </a:p>
@@ -2009,7 +2009,7 @@
           <a:p>
             <a:fld id="{224C0205-EE3F-2F41-AF46-2CE70C7F2D49}" type="datetimeFigureOut">
               <a:rPr lang="en-US" smtClean="0"/>
-              <a:t>7/12/2017</a:t>
+              <a:t>7/19/2018</a:t>
             </a:fld>
             <a:endParaRPr lang="en-US"/>
           </a:p>
@@ -2128,7 +2128,7 @@
           <a:p>
             <a:fld id="{224C0205-EE3F-2F41-AF46-2CE70C7F2D49}" type="datetimeFigureOut">
               <a:rPr lang="en-US" smtClean="0"/>
-              <a:t>7/12/2017</a:t>
+              <a:t>7/19/2018</a:t>
             </a:fld>
             <a:endParaRPr lang="en-US"/>
           </a:p>
@@ -2438,7 +2438,7 @@
           <a:p>
             <a:fld id="{224C0205-EE3F-2F41-AF46-2CE70C7F2D49}" type="datetimeFigureOut">
               <a:rPr lang="en-US" smtClean="0"/>
-              <a:t>7/12/2017</a:t>
+              <a:t>7/19/2018</a:t>
             </a:fld>
             <a:endParaRPr lang="en-US"/>
           </a:p>
@@ -2724,7 +2724,7 @@
           <a:p>
             <a:fld id="{224C0205-EE3F-2F41-AF46-2CE70C7F2D49}" type="datetimeFigureOut">
               <a:rPr lang="en-US" smtClean="0"/>
-              <a:t>7/12/2017</a:t>
+              <a:t>7/19/2018</a:t>
             </a:fld>
             <a:endParaRPr lang="en-US"/>
           </a:p>
@@ -3160,8 +3160,8 @@
         </p:nvSpPr>
         <p:spPr>
           <a:xfrm>
-            <a:off x="1205354" y="3429000"/>
-            <a:ext cx="7076937" cy="1815882"/>
+            <a:off x="443512" y="3429000"/>
+            <a:ext cx="8600624" cy="1815882"/>
           </a:xfrm>
           <a:prstGeom prst="rect">
             <a:avLst/>
@@ -3176,8 +3176,29 @@
             <a:pPr algn="ctr"/>
             <a:r>
               <a:rPr lang="en-US" sz="2800" b="1" dirty="0" smtClean="0"/>
-              <a:t> Profs. Sunghoon Lee and Phillipa Gill</a:t>
-            </a:r>
+              <a:t> Profs. Sunghoon </a:t>
+            </a:r>
+            <a:r>
+              <a:rPr lang="en-US" sz="2800" b="1" dirty="0" smtClean="0"/>
+              <a:t>Lee, </a:t>
+            </a:r>
+            <a:r>
+              <a:rPr lang="en-US" sz="2800" b="1" dirty="0" err="1" smtClean="0"/>
+              <a:t>Phillipa</a:t>
+            </a:r>
+            <a:r>
+              <a:rPr lang="en-US" sz="2800" b="1" dirty="0" smtClean="0"/>
+              <a:t> Gill, and </a:t>
+            </a:r>
+            <a:r>
+              <a:rPr lang="en-US" sz="2800" b="1" dirty="0" err="1" smtClean="0"/>
+              <a:t>Tauhidur</a:t>
+            </a:r>
+            <a:r>
+              <a:rPr lang="en-US" sz="2800" b="1" dirty="0" smtClean="0"/>
+              <a:t> Rahman</a:t>
+            </a:r>
+            <a:endParaRPr lang="en-US" sz="2800" b="1" dirty="0" smtClean="0"/>
           </a:p>
           <a:p>
             <a:pPr algn="ctr"/>
@@ -3667,11 +3688,7 @@
             </a:r>
             <a:r>
               <a:rPr lang="en-US" sz="2800" dirty="0" smtClean="0"/>
-              <a:t>to the end of the main exercises and get them to demo their solutions for you. If they didn’t get the most efficient solutions, encourage them to think a bit more</a:t>
-            </a:r>
-            <a:r>
-              <a:rPr lang="en-US" sz="2800" dirty="0" smtClean="0"/>
-              <a:t>.</a:t>
+              <a:t>to the end of the main exercises and get them to demo their solutions for you. If they didn’t get the most efficient solutions, encourage them to think a bit more.</a:t>
             </a:r>
           </a:p>
           <a:p>
@@ -3687,7 +3704,6 @@
               <a:rPr lang="en-US" sz="2800" dirty="0" smtClean="0"/>
               <a:t>Maybe teaming up those students who have programming experience?</a:t>
             </a:r>
-            <a:endParaRPr lang="en-US" sz="2800" dirty="0" smtClean="0"/>
           </a:p>
           <a:p>
             <a:pPr marL="514350" marR="0" lvl="0" indent="-514350" defTabSz="914400" eaLnBrk="1" fontAlgn="auto" latinLnBrk="0" hangingPunct="1">
@@ -3709,15 +3725,7 @@
             </a:pPr>
             <a:r>
               <a:rPr lang="en-US" sz="2800" dirty="0" smtClean="0"/>
-              <a:t>For groups that complete the main exercises, they can continue to modify the </a:t>
-            </a:r>
-            <a:r>
-              <a:rPr lang="en-US" sz="2800" dirty="0" smtClean="0"/>
-              <a:t>program we </a:t>
-            </a:r>
-            <a:r>
-              <a:rPr lang="en-US" sz="2800" dirty="0" smtClean="0"/>
-              <a:t>provide by adding enhancements. Get them to explain what they want to try, and check in periodically. They can do anything within the structure of the game. </a:t>
+              <a:t>For groups that complete the main exercises, they can continue to modify the program we provide by adding enhancements. Get them to explain what they want to try, and check in periodically. They can do anything within the structure of the game. </a:t>
             </a:r>
             <a:r>
               <a:rPr lang="en-US" sz="2800" b="1" dirty="0" smtClean="0"/>
@@ -4005,17 +4013,8 @@
             </a:r>
             <a:r>
               <a:rPr lang="en-US" sz="2800" dirty="0" smtClean="0"/>
-              <a:t>if you get into a situation that you’re not sure how to deal with, or a question you don’t know how to </a:t>
-            </a:r>
-            <a:r>
-              <a:rPr lang="en-US" sz="2800" dirty="0" smtClean="0"/>
-              <a:t>answer</a:t>
-            </a:r>
-            <a:r>
-              <a:rPr lang="en-US" sz="2800" dirty="0" smtClean="0"/>
-              <a:t>, ask for help from Ivan or Phillipa.</a:t>
-            </a:r>
-            <a:endParaRPr lang="en-US" sz="2800" dirty="0" smtClean="0"/>
+              <a:t>if you get into a situation that you’re not sure how to deal with, or a question you don’t know how to answer, ask for help from Ivan or Phillipa.</a:t>
+            </a:r>
           </a:p>
           <a:p>
             <a:pPr marL="514350" marR="0" lvl="0" indent="-514350" defTabSz="914400" eaLnBrk="1" fontAlgn="auto" latinLnBrk="0" hangingPunct="1">
@@ -5928,7 +5927,15 @@
             </a:pPr>
             <a:r>
               <a:rPr lang="en-US" sz="2800" dirty="0" smtClean="0"/>
-              <a:t>A total of 5 parts with sub-activities and incremental difficulty.</a:t>
+              <a:t>A total of </a:t>
+            </a:r>
+            <a:r>
+              <a:rPr lang="en-US" sz="2800" dirty="0" smtClean="0"/>
+              <a:t>4 </a:t>
+            </a:r>
+            <a:r>
+              <a:rPr lang="en-US" sz="2800" dirty="0" smtClean="0"/>
+              <a:t>parts with sub-activities and incremental difficulty.</a:t>
             </a:r>
           </a:p>
           <a:p>
@@ -5950,8 +5957,12 @@
               <a:defRPr/>
             </a:pPr>
             <a:r>
+              <a:rPr lang="en-US" sz="2800" b="1" dirty="0" smtClean="0"/>
+              <a:t>Part 1</a:t>
+            </a:r>
+            <a:r>
               <a:rPr lang="en-US" sz="2800" dirty="0" smtClean="0"/>
-              <a:t>Part 1: Connecting wires together</a:t>
+              <a:t>: Connecting wires together</a:t>
             </a:r>
           </a:p>
           <a:p>
@@ -5973,8 +5984,12 @@
               <a:defRPr/>
             </a:pPr>
             <a:r>
+              <a:rPr lang="en-US" sz="2800" b="1" dirty="0" smtClean="0"/>
+              <a:t>Part 2</a:t>
+            </a:r>
+            <a:r>
               <a:rPr lang="en-US" sz="2800" dirty="0" smtClean="0"/>
-              <a:t>Part 2: Learn how to use </a:t>
+              <a:t>: Learn how to use </a:t>
             </a:r>
             <a:r>
               <a:rPr lang="en-US" sz="2800" dirty="0" err="1" smtClean="0"/>
@@ -6011,13 +6026,8 @@
             </a:r>
             <a:r>
               <a:rPr lang="en-US" sz="2800" dirty="0" smtClean="0"/>
-              <a:t>: changing color </a:t>
-            </a:r>
-            <a:r>
-              <a:rPr lang="en-US" sz="2800" dirty="0" smtClean="0"/>
-              <a:t>of 1 LED</a:t>
-            </a:r>
-            <a:endParaRPr lang="en-US" sz="2800" dirty="0" smtClean="0"/>
+              <a:t>: changing color of 1 LED</a:t>
+            </a:r>
           </a:p>
           <a:p>
             <a:pPr marL="971550" lvl="1" indent="-514350" defTabSz="914400">
@@ -6043,8 +6053,12 @@
               <a:defRPr/>
             </a:pPr>
             <a:r>
+              <a:rPr lang="en-US" sz="2800" b="1" dirty="0" smtClean="0"/>
+              <a:t>Part 3</a:t>
+            </a:r>
+            <a:r>
               <a:rPr lang="en-US" sz="2800" dirty="0" smtClean="0"/>
-              <a:t>Part 3: How to get blocks to do more (how to program)</a:t>
+              <a:t>: How to get blocks to do more (how to program)</a:t>
             </a:r>
           </a:p>
           <a:p>
@@ -6687,7 +6701,7 @@
         <p:spPr>
           <a:xfrm>
             <a:off x="370922" y="873697"/>
-            <a:ext cx="8627304" cy="7217360"/>
+            <a:ext cx="8627304" cy="3847207"/>
           </a:xfrm>
           <a:prstGeom prst="rect">
             <a:avLst/>
@@ -6708,13 +6722,41 @@
               <a:defRPr/>
             </a:pPr>
             <a:r>
-              <a:rPr lang="en-US" sz="2400" b="1" dirty="0" smtClean="0"/>
-              <a:t>Part 4</a:t>
-            </a:r>
-            <a:r>
-              <a:rPr lang="en-US" sz="2400" dirty="0" smtClean="0"/>
-              <a:t>: Learning about loop &amp; variables</a:t>
-            </a:r>
+              <a:rPr lang="en-US" sz="2800" b="1" dirty="0" smtClean="0"/>
+              <a:t>Lecture: </a:t>
+            </a:r>
+            <a:r>
+              <a:rPr lang="en-US" sz="2800" dirty="0" smtClean="0"/>
+              <a:t>Learning about variables, loop, and if-statement</a:t>
+            </a:r>
+            <a:endParaRPr lang="en-US" sz="2800" b="1" dirty="0" smtClean="0"/>
+          </a:p>
+          <a:p>
+            <a:pPr marL="514350" indent="-514350" defTabSz="914400">
+              <a:spcAft>
+                <a:spcPts val="600"/>
+              </a:spcAft>
+              <a:buFont typeface="Arial" charset="0"/>
+              <a:buChar char="•"/>
+              <a:defRPr/>
+            </a:pPr>
+            <a:r>
+              <a:rPr lang="en-US" sz="2800" b="1" dirty="0" smtClean="0"/>
+              <a:t>Part </a:t>
+            </a:r>
+            <a:r>
+              <a:rPr lang="en-US" sz="2800" b="1" dirty="0" smtClean="0"/>
+              <a:t>4</a:t>
+            </a:r>
+            <a:r>
+              <a:rPr lang="en-US" sz="2800" dirty="0" smtClean="0"/>
+              <a:t>: </a:t>
+            </a:r>
+            <a:r>
+              <a:rPr lang="en-US" sz="2800" dirty="0"/>
+              <a:t>Learning about variables, loop, and if-statement</a:t>
+            </a:r>
+            <a:endParaRPr lang="en-US" sz="2800" dirty="0" smtClean="0"/>
           </a:p>
           <a:p>
             <a:pPr marL="971550" lvl="1" indent="-514350" defTabSz="914400">
@@ -6726,11 +6768,11 @@
               <a:defRPr/>
             </a:pPr>
             <a:r>
-              <a:rPr lang="en-US" sz="2400" b="1" dirty="0" smtClean="0"/>
+              <a:rPr lang="en-US" sz="2800" b="1" dirty="0" smtClean="0"/>
               <a:t>Activity 1</a:t>
             </a:r>
             <a:r>
-              <a:rPr lang="en-US" sz="2400" dirty="0" smtClean="0"/>
+              <a:rPr lang="en-US" sz="2800" dirty="0" smtClean="0"/>
               <a:t>: using a loop to move the LED</a:t>
             </a:r>
           </a:p>
@@ -6744,12 +6786,16 @@
               <a:defRPr/>
             </a:pPr>
             <a:r>
-              <a:rPr lang="en-US" sz="2400" b="1" dirty="0" smtClean="0"/>
+              <a:rPr lang="en-US" sz="2800" b="1" dirty="0" smtClean="0"/>
               <a:t>Activity 2</a:t>
             </a:r>
             <a:r>
-              <a:rPr lang="en-US" sz="2400" dirty="0" smtClean="0"/>
-              <a:t>: using a loop and if-statement to change colors of all LEDs</a:t>
+              <a:rPr lang="en-US" sz="2800" dirty="0" smtClean="0"/>
+              <a:t>: using a loop and if-statement to change colors of all </a:t>
+            </a:r>
+            <a:r>
+              <a:rPr lang="en-US" sz="2800" dirty="0" smtClean="0"/>
+              <a:t>LEDs</a:t>
             </a:r>
           </a:p>
           <a:p>
@@ -6762,156 +6808,14 @@
               <a:defRPr/>
             </a:pPr>
             <a:r>
-              <a:rPr lang="en-US" sz="2400" b="1" dirty="0" smtClean="0"/>
+              <a:rPr lang="en-US" sz="2800" b="1" dirty="0" smtClean="0"/>
               <a:t>Part 5</a:t>
             </a:r>
             <a:r>
-              <a:rPr lang="en-US" sz="2400" dirty="0" smtClean="0"/>
-              <a:t>: Adding a sensor to control</a:t>
-            </a:r>
-          </a:p>
-          <a:p>
-            <a:pPr marL="971550" lvl="1" indent="-514350" defTabSz="914400">
-              <a:spcAft>
-                <a:spcPts val="600"/>
-              </a:spcAft>
-              <a:buFont typeface="Arial" charset="0"/>
-              <a:buChar char="•"/>
-              <a:defRPr/>
-            </a:pPr>
-            <a:r>
-              <a:rPr lang="en-US" sz="2400" b="1" dirty="0" smtClean="0"/>
-              <a:t>Activity 1</a:t>
-            </a:r>
-            <a:r>
-              <a:rPr lang="en-US" sz="2400" dirty="0" smtClean="0"/>
-              <a:t>: Turn on/off the LEDs with a color of choice every 0.5 second</a:t>
-            </a:r>
-          </a:p>
-          <a:p>
-            <a:pPr marL="1428750" lvl="2" indent="-514350" defTabSz="914400">
-              <a:spcAft>
-                <a:spcPts val="600"/>
-              </a:spcAft>
-              <a:buFont typeface="Arial" charset="0"/>
-              <a:buChar char="•"/>
-              <a:defRPr/>
-            </a:pPr>
-            <a:r>
-              <a:rPr lang="en-US" sz="2400" dirty="0" smtClean="0"/>
-              <a:t>Students MUST use only 20 LEDs, otherwise Arduino disconnects itself from the USB, i.e. IDE does not recognize the board.</a:t>
-            </a:r>
-          </a:p>
-          <a:p>
-            <a:pPr marL="1428750" lvl="2" indent="-514350" defTabSz="914400">
-              <a:spcAft>
-                <a:spcPts val="600"/>
-              </a:spcAft>
-              <a:buFont typeface="Arial" charset="0"/>
-              <a:buChar char="•"/>
-              <a:defRPr/>
-            </a:pPr>
-            <a:r>
-              <a:rPr lang="en-US" sz="2400" dirty="0" smtClean="0"/>
-              <a:t>How to solve it: disconnect </a:t>
-            </a:r>
-            <a:r>
-              <a:rPr lang="en-US" sz="2400" dirty="0"/>
-              <a:t>LEDs from the Arduino board, upload a dummy code, and reconnect the </a:t>
-            </a:r>
-            <a:r>
-              <a:rPr lang="en-US" sz="2400" dirty="0" smtClean="0"/>
-              <a:t>LEDs</a:t>
-            </a:r>
-          </a:p>
-          <a:p>
-            <a:pPr marL="971550" lvl="1" indent="-514350" defTabSz="914400">
-              <a:spcAft>
-                <a:spcPts val="600"/>
-              </a:spcAft>
-              <a:buFont typeface="Arial" charset="0"/>
-              <a:buChar char="•"/>
-              <a:defRPr/>
-            </a:pPr>
-            <a:r>
-              <a:rPr lang="en-US" sz="2400" b="1" dirty="0" smtClean="0"/>
-              <a:t>Activity 2</a:t>
-            </a:r>
-            <a:r>
-              <a:rPr lang="en-US" sz="2400" dirty="0" smtClean="0"/>
-              <a:t>: use “analog read” to control the delay.</a:t>
-            </a:r>
-          </a:p>
-          <a:p>
-            <a:pPr marL="971550" lvl="1" indent="-514350" defTabSz="914400">
-              <a:spcAft>
-                <a:spcPts val="600"/>
-              </a:spcAft>
-              <a:buFont typeface="Arial" charset="0"/>
-              <a:buChar char="•"/>
-              <a:defRPr/>
-            </a:pPr>
-            <a:endParaRPr lang="en-US" sz="2400" dirty="0" smtClean="0"/>
-          </a:p>
-          <a:p>
-            <a:pPr marL="514350" marR="0" lvl="0" indent="-514350" defTabSz="914400" eaLnBrk="1" fontAlgn="auto" latinLnBrk="0" hangingPunct="1">
-              <a:lnSpc>
-                <a:spcPct val="100000"/>
-              </a:lnSpc>
-              <a:spcBef>
-                <a:spcPts val="0"/>
-              </a:spcBef>
-              <a:spcAft>
-                <a:spcPts val="600"/>
-              </a:spcAft>
-              <a:buClrTx/>
-              <a:buSzTx/>
-              <a:buFont typeface="Arial" charset="0"/>
-              <a:buChar char="•"/>
-              <a:tabLst/>
-              <a:defRPr/>
-            </a:pPr>
-            <a:endParaRPr lang="en-US" sz="2400" dirty="0" smtClean="0"/>
-          </a:p>
-          <a:p>
-            <a:pPr marL="514350" marR="0" lvl="0" indent="-514350" defTabSz="914400" eaLnBrk="1" fontAlgn="auto" latinLnBrk="0" hangingPunct="1">
-              <a:lnSpc>
-                <a:spcPct val="100000"/>
-              </a:lnSpc>
-              <a:spcBef>
-                <a:spcPts val="0"/>
-              </a:spcBef>
-              <a:spcAft>
-                <a:spcPts val="600"/>
-              </a:spcAft>
-              <a:buClrTx/>
-              <a:buSzTx/>
-              <a:buFont typeface="Arial" charset="0"/>
-              <a:buChar char="•"/>
-              <a:tabLst/>
-              <a:defRPr/>
-            </a:pPr>
-            <a:endParaRPr lang="en-US" sz="2400" dirty="0"/>
-          </a:p>
-          <a:p>
-            <a:pPr marL="514350" marR="0" lvl="0" indent="-514350" defTabSz="914400" eaLnBrk="1" fontAlgn="auto" latinLnBrk="0" hangingPunct="1">
-              <a:lnSpc>
-                <a:spcPct val="100000"/>
-              </a:lnSpc>
-              <a:spcBef>
-                <a:spcPts val="0"/>
-              </a:spcBef>
-              <a:spcAft>
-                <a:spcPts val="600"/>
-              </a:spcAft>
-              <a:buClrTx/>
-              <a:buSzTx/>
-              <a:buFont typeface="Arial" charset="0"/>
-              <a:buChar char="•"/>
-              <a:tabLst/>
-              <a:defRPr/>
-            </a:pPr>
-            <a:endParaRPr lang="en-US" sz="2400" dirty="0" smtClean="0"/>
+              <a:rPr lang="en-US" sz="2800" dirty="0" smtClean="0"/>
+              <a:t>: Students’ sharing experiences</a:t>
+            </a:r>
+            <a:endParaRPr lang="en-US" sz="2800" dirty="0" smtClean="0"/>
           </a:p>
         </p:txBody>
       </p:sp>
@@ -6961,7 +6865,7 @@
                                         <p:tgtEl>
                                           <p:spTgt spid="3">
                                             <p:txEl>
-                                              <p:pRg st="0" end="0"/>
+                                              <p:pRg st="1" end="1"/>
                                             </p:txEl>
                                           </p:spTgt>
                                         </p:tgtEl>
@@ -7010,7 +6914,7 @@
                                         <p:tgtEl>
                                           <p:spTgt spid="3">
                                             <p:txEl>
-                                              <p:pRg st="1" end="1"/>
+                                              <p:pRg st="0" end="0"/>
                                             </p:txEl>
                                           </p:spTgt>
                                         </p:tgtEl>
@@ -7178,153 +7082,6 @@
                       </p:childTnLst>
                     </p:cTn>
                   </p:par>
-                  <p:par>
-                    <p:cTn id="23" fill="hold">
-                      <p:stCondLst>
-                        <p:cond delay="indefinite"/>
-                      </p:stCondLst>
-                      <p:childTnLst>
-                        <p:par>
-                          <p:cTn id="24" fill="hold">
-                            <p:stCondLst>
-                              <p:cond delay="0"/>
-                            </p:stCondLst>
-                            <p:childTnLst>
-                              <p:par>
-                                <p:cTn id="25" presetID="1" presetClass="entr" presetSubtype="0" fill="hold" nodeType="clickEffect">
-                                  <p:stCondLst>
-                                    <p:cond delay="0"/>
-                                  </p:stCondLst>
-                                  <p:childTnLst>
-                                    <p:set>
-                                      <p:cBhvr>
-                                        <p:cTn id="26" dur="1" fill="hold">
-                                          <p:stCondLst>
-                                            <p:cond delay="0"/>
-                                          </p:stCondLst>
-                                        </p:cTn>
-                                        <p:tgtEl>
-                                          <p:spTgt spid="3">
-                                            <p:txEl>
-                                              <p:pRg st="5" end="5"/>
-                                            </p:txEl>
-                                          </p:spTgt>
-                                        </p:tgtEl>
-                                        <p:attrNameLst>
-                                          <p:attrName>style.visibility</p:attrName>
-                                        </p:attrNameLst>
-                                      </p:cBhvr>
-                                      <p:to>
-                                        <p:strVal val="visible"/>
-                                      </p:to>
-                                    </p:set>
-                                  </p:childTnLst>
-                                </p:cTn>
-                              </p:par>
-                            </p:childTnLst>
-                          </p:cTn>
-                        </p:par>
-                      </p:childTnLst>
-                    </p:cTn>
-                  </p:par>
-                  <p:par>
-                    <p:cTn id="27" fill="hold">
-                      <p:stCondLst>
-                        <p:cond delay="indefinite"/>
-                      </p:stCondLst>
-                      <p:childTnLst>
-                        <p:par>
-                          <p:cTn id="28" fill="hold">
-                            <p:stCondLst>
-                              <p:cond delay="0"/>
-                            </p:stCondLst>
-                            <p:childTnLst>
-                              <p:par>
-                                <p:cTn id="29" presetID="1" presetClass="entr" presetSubtype="0" fill="hold" nodeType="clickEffect">
-                                  <p:stCondLst>
-                                    <p:cond delay="0"/>
-                                  </p:stCondLst>
-                                  <p:childTnLst>
-                                    <p:set>
-                                      <p:cBhvr>
-                                        <p:cTn id="30" dur="1" fill="hold">
-                                          <p:stCondLst>
-                                            <p:cond delay="0"/>
-                                          </p:stCondLst>
-                                        </p:cTn>
-                                        <p:tgtEl>
-                                          <p:spTgt spid="3">
-                                            <p:txEl>
-                                              <p:pRg st="6" end="6"/>
-                                            </p:txEl>
-                                          </p:spTgt>
-                                        </p:tgtEl>
-                                        <p:attrNameLst>
-                                          <p:attrName>style.visibility</p:attrName>
-                                        </p:attrNameLst>
-                                      </p:cBhvr>
-                                      <p:to>
-                                        <p:strVal val="visible"/>
-                                      </p:to>
-                                    </p:set>
-                                  </p:childTnLst>
-                                </p:cTn>
-                              </p:par>
-                            </p:childTnLst>
-                          </p:cTn>
-                        </p:par>
-                      </p:childTnLst>
-                    </p:cTn>
-                  </p:par>
-                  <p:par>
-                    <p:cTn id="31" fill="hold">
-                      <p:stCondLst>
-                        <p:cond delay="indefinite"/>
-                      </p:stCondLst>
-                      <p:childTnLst>
-                        <p:par>
-                          <p:cTn id="32" fill="hold">
-                            <p:stCondLst>
-                              <p:cond delay="0"/>
-                            </p:stCondLst>
-                            <p:childTnLst>
-                              <p:par>
-                                <p:cTn id="33" presetID="1" presetClass="entr" presetSubtype="0" fill="hold" nodeType="clickEffect">
-                                  <p:stCondLst>
-                                    <p:cond delay="0"/>
-                                  </p:stCondLst>
-                                  <p:childTnLst>
-                                    <p:set>
-                                      <p:cBhvr>
-                                        <p:cTn id="34" dur="1" fill="hold">
-                                          <p:stCondLst>
-                                            <p:cond delay="0"/>
-                                          </p:stCondLst>
-                                        </p:cTn>
-                                        <p:tgtEl>
-                                          <p:spTgt spid="3">
-                                            <p:txEl>
-                                              <p:pRg st="7" end="7"/>
-                                            </p:txEl>
-                                          </p:spTgt>
-                                        </p:tgtEl>
-                                        <p:attrNameLst>
-                                          <p:attrName>style.visibility</p:attrName>
-                                        </p:attrNameLst>
-                                      </p:cBhvr>
-                                      <p:to>
-                                        <p:strVal val="visible"/>
-                                      </p:to>
-                                    </p:set>
-                                  </p:childTnLst>
-                                </p:cTn>
-                              </p:par>
-                            </p:childTnLst>
-                          </p:cTn>
-                        </p:par>
-                      </p:childTnLst>
-                    </p:cTn>
-                  </p:par>
                 </p:childTnLst>
               </p:cTn>
               <p:prevCondLst>
@@ -7784,7 +7541,7 @@
             </a:pPr>
             <a:r>
               <a:rPr lang="en-US" sz="2800" dirty="0" smtClean="0"/>
-              <a:t>15 </a:t>
+              <a:t>16 </a:t>
             </a:r>
             <a:r>
               <a:rPr lang="en-US" sz="2800" dirty="0"/>
@@ -8444,11 +8201,7 @@
             </a:r>
             <a:r>
               <a:rPr lang="en-US" sz="2800" dirty="0" smtClean="0"/>
-              <a:t>SW</a:t>
-            </a:r>
-            <a:r>
-              <a:rPr lang="en-US" sz="2800" dirty="0" smtClean="0"/>
-              <a:t> </a:t>
+              <a:t>SW </a:t>
             </a:r>
             <a:r>
               <a:rPr lang="en-US" sz="2800" dirty="0"/>
@@ -8722,7 +8475,7 @@
             </a:r>
             <a:r>
               <a:rPr lang="en-US" sz="2800" dirty="0" smtClean="0"/>
-              <a:t>laptops (??)</a:t>
+              <a:t>laptops</a:t>
             </a:r>
             <a:endParaRPr lang="en-US" sz="2800" dirty="0"/>
           </a:p>
@@ -9056,7 +8809,7 @@
         <p:spPr>
           <a:xfrm>
             <a:off x="4305971" y="1257151"/>
-            <a:ext cx="4838029" cy="4508927"/>
+            <a:ext cx="4838029" cy="5878532"/>
           </a:xfrm>
           <a:prstGeom prst="rect">
             <a:avLst/>
@@ -9077,7 +8830,11 @@
             </a:pPr>
             <a:r>
               <a:rPr lang="en-US" sz="2800" dirty="0" smtClean="0"/>
-              <a:t>We will use the first 4 tables.</a:t>
+              <a:t>We will use the first 4 tables</a:t>
+            </a:r>
+            <a:r>
+              <a:rPr lang="en-US" sz="2800" dirty="0" smtClean="0"/>
+              <a:t>.</a:t>
             </a:r>
           </a:p>
           <a:p>
@@ -9090,7 +8847,21 @@
             </a:pPr>
             <a:r>
               <a:rPr lang="en-US" sz="2800" dirty="0" smtClean="0"/>
-              <a:t>You </a:t>
+              <a:t>Students will from a groups of two, but each will receive own laptop to work.</a:t>
+            </a:r>
+            <a:endParaRPr lang="en-US" sz="2800" dirty="0" smtClean="0"/>
+          </a:p>
+          <a:p>
+            <a:pPr marL="457200" indent="-457200">
+              <a:spcAft>
+                <a:spcPts val="600"/>
+              </a:spcAft>
+              <a:buFont typeface="Arial" charset="0"/>
+              <a:buChar char="•"/>
+            </a:pPr>
+            <a:r>
+              <a:rPr lang="en-US" sz="2800" dirty="0" smtClean="0"/>
+              <a:t>Volunteers </a:t>
             </a:r>
             <a:r>
               <a:rPr lang="en-US" sz="2800" dirty="0" smtClean="0"/>
@@ -9098,17 +8869,20 @@
             </a:r>
             <a:r>
               <a:rPr lang="en-US" sz="2800" dirty="0" smtClean="0"/>
-              <a:t>2 teams (4 </a:t>
+              <a:t>1 </a:t>
             </a:r>
             <a:r>
               <a:rPr lang="en-US" sz="2800" dirty="0" smtClean="0"/>
-              <a:t>girls</a:t>
+              <a:t>teams </a:t>
             </a:r>
             <a:r>
               <a:rPr lang="en-US" sz="2800" dirty="0" smtClean="0"/>
-              <a:t>).</a:t>
-            </a:r>
-            <a:endParaRPr lang="en-US" sz="2800" dirty="0" smtClean="0"/>
+              <a:t>(2 </a:t>
+            </a:r>
+            <a:r>
+              <a:rPr lang="en-US" sz="2800" dirty="0" smtClean="0"/>
+              <a:t>girls).</a:t>
+            </a:r>
           </a:p>
           <a:p>
             <a:pPr marL="457200" indent="-457200">
